--- a/ReactNotes.pptx
+++ b/ReactNotes.pptx
@@ -8,6 +8,9 @@
     <p:sldId id="256" r:id="rId2"/>
     <p:sldId id="257" r:id="rId3"/>
     <p:sldId id="258" r:id="rId4"/>
+    <p:sldId id="259" r:id="rId5"/>
+    <p:sldId id="260" r:id="rId6"/>
+    <p:sldId id="261" r:id="rId7"/>
   </p:sldIdLst>
   <p:sldSz cx="12192000" cy="6858000"/>
   <p:notesSz cx="6858000" cy="9144000"/>
@@ -263,7 +266,7 @@
           <a:p>
             <a:fld id="{D5B6771C-184F-4575-8091-73EA73657E61}" type="datetimeFigureOut">
               <a:rPr lang="en-CA" smtClean="0"/>
-              <a:t>2022-08-19</a:t>
+              <a:t>2022-08-24</a:t>
             </a:fld>
             <a:endParaRPr lang="en-CA"/>
           </a:p>
@@ -463,7 +466,7 @@
           <a:p>
             <a:fld id="{D5B6771C-184F-4575-8091-73EA73657E61}" type="datetimeFigureOut">
               <a:rPr lang="en-CA" smtClean="0"/>
-              <a:t>2022-08-19</a:t>
+              <a:t>2022-08-24</a:t>
             </a:fld>
             <a:endParaRPr lang="en-CA"/>
           </a:p>
@@ -673,7 +676,7 @@
           <a:p>
             <a:fld id="{D5B6771C-184F-4575-8091-73EA73657E61}" type="datetimeFigureOut">
               <a:rPr lang="en-CA" smtClean="0"/>
-              <a:t>2022-08-19</a:t>
+              <a:t>2022-08-24</a:t>
             </a:fld>
             <a:endParaRPr lang="en-CA"/>
           </a:p>
@@ -873,7 +876,7 @@
           <a:p>
             <a:fld id="{D5B6771C-184F-4575-8091-73EA73657E61}" type="datetimeFigureOut">
               <a:rPr lang="en-CA" smtClean="0"/>
-              <a:t>2022-08-19</a:t>
+              <a:t>2022-08-24</a:t>
             </a:fld>
             <a:endParaRPr lang="en-CA"/>
           </a:p>
@@ -1149,7 +1152,7 @@
           <a:p>
             <a:fld id="{D5B6771C-184F-4575-8091-73EA73657E61}" type="datetimeFigureOut">
               <a:rPr lang="en-CA" smtClean="0"/>
-              <a:t>2022-08-19</a:t>
+              <a:t>2022-08-24</a:t>
             </a:fld>
             <a:endParaRPr lang="en-CA"/>
           </a:p>
@@ -1417,7 +1420,7 @@
           <a:p>
             <a:fld id="{D5B6771C-184F-4575-8091-73EA73657E61}" type="datetimeFigureOut">
               <a:rPr lang="en-CA" smtClean="0"/>
-              <a:t>2022-08-19</a:t>
+              <a:t>2022-08-24</a:t>
             </a:fld>
             <a:endParaRPr lang="en-CA"/>
           </a:p>
@@ -1832,7 +1835,7 @@
           <a:p>
             <a:fld id="{D5B6771C-184F-4575-8091-73EA73657E61}" type="datetimeFigureOut">
               <a:rPr lang="en-CA" smtClean="0"/>
-              <a:t>2022-08-19</a:t>
+              <a:t>2022-08-24</a:t>
             </a:fld>
             <a:endParaRPr lang="en-CA"/>
           </a:p>
@@ -1974,7 +1977,7 @@
           <a:p>
             <a:fld id="{D5B6771C-184F-4575-8091-73EA73657E61}" type="datetimeFigureOut">
               <a:rPr lang="en-CA" smtClean="0"/>
-              <a:t>2022-08-19</a:t>
+              <a:t>2022-08-24</a:t>
             </a:fld>
             <a:endParaRPr lang="en-CA"/>
           </a:p>
@@ -2087,7 +2090,7 @@
           <a:p>
             <a:fld id="{D5B6771C-184F-4575-8091-73EA73657E61}" type="datetimeFigureOut">
               <a:rPr lang="en-CA" smtClean="0"/>
-              <a:t>2022-08-19</a:t>
+              <a:t>2022-08-24</a:t>
             </a:fld>
             <a:endParaRPr lang="en-CA"/>
           </a:p>
@@ -2400,7 +2403,7 @@
           <a:p>
             <a:fld id="{D5B6771C-184F-4575-8091-73EA73657E61}" type="datetimeFigureOut">
               <a:rPr lang="en-CA" smtClean="0"/>
-              <a:t>2022-08-19</a:t>
+              <a:t>2022-08-24</a:t>
             </a:fld>
             <a:endParaRPr lang="en-CA"/>
           </a:p>
@@ -2689,7 +2692,7 @@
           <a:p>
             <a:fld id="{D5B6771C-184F-4575-8091-73EA73657E61}" type="datetimeFigureOut">
               <a:rPr lang="en-CA" smtClean="0"/>
-              <a:t>2022-08-19</a:t>
+              <a:t>2022-08-24</a:t>
             </a:fld>
             <a:endParaRPr lang="en-CA"/>
           </a:p>
@@ -2932,7 +2935,7 @@
           <a:p>
             <a:fld id="{D5B6771C-184F-4575-8091-73EA73657E61}" type="datetimeFigureOut">
               <a:rPr lang="en-CA" smtClean="0"/>
-              <a:t>2022-08-19</a:t>
+              <a:t>2022-08-24</a:t>
             </a:fld>
             <a:endParaRPr lang="en-CA"/>
           </a:p>
@@ -3509,6 +3512,183 @@
 </p:sld>
 </file>
 
+<file path=ppt/slides/slide4.xml><?xml version="1.0" encoding="utf-8"?>
+<p:sld xmlns:a="http://schemas.openxmlformats.org/drawingml/2006/main" xmlns:r="http://schemas.openxmlformats.org/officeDocument/2006/relationships" xmlns:p="http://schemas.openxmlformats.org/presentationml/2006/main">
+  <p:cSld>
+    <p:spTree>
+      <p:nvGrpSpPr>
+        <p:cNvPr id="1" name=""/>
+        <p:cNvGrpSpPr/>
+        <p:nvPr/>
+      </p:nvGrpSpPr>
+      <p:grpSpPr>
+        <a:xfrm>
+          <a:off x="0" y="0"/>
+          <a:ext cx="0" cy="0"/>
+          <a:chOff x="0" y="0"/>
+          <a:chExt cx="0" cy="0"/>
+        </a:xfrm>
+      </p:grpSpPr>
+      <p:pic>
+        <p:nvPicPr>
+          <p:cNvPr id="3" name="Picture 2">
+            <a:extLst>
+              <a:ext uri="{FF2B5EF4-FFF2-40B4-BE49-F238E27FC236}">
+                <a16:creationId xmlns:a16="http://schemas.microsoft.com/office/drawing/2014/main" id="{3F9F7D11-DA6D-A499-B0A2-DB17827E618A}"/>
+              </a:ext>
+            </a:extLst>
+          </p:cNvPr>
+          <p:cNvPicPr>
+            <a:picLocks noChangeAspect="1"/>
+          </p:cNvPicPr>
+          <p:nvPr/>
+        </p:nvPicPr>
+        <p:blipFill rotWithShape="1">
+          <a:blip r:embed="rId2"/>
+          <a:srcRect l="18358" t="3671" r="12922" b="35652"/>
+          <a:stretch/>
+        </p:blipFill>
+        <p:spPr>
+          <a:xfrm>
+            <a:off x="0" y="0"/>
+            <a:ext cx="12427394" cy="6858000"/>
+          </a:xfrm>
+          <a:prstGeom prst="rect">
+            <a:avLst/>
+          </a:prstGeom>
+        </p:spPr>
+      </p:pic>
+    </p:spTree>
+    <p:extLst>
+      <p:ext uri="{BB962C8B-B14F-4D97-AF65-F5344CB8AC3E}">
+        <p14:creationId xmlns:p14="http://schemas.microsoft.com/office/powerpoint/2010/main" val="4044645084"/>
+      </p:ext>
+    </p:extLst>
+  </p:cSld>
+  <p:clrMapOvr>
+    <a:masterClrMapping/>
+  </p:clrMapOvr>
+</p:sld>
+</file>
+
+<file path=ppt/slides/slide5.xml><?xml version="1.0" encoding="utf-8"?>
+<p:sld xmlns:a="http://schemas.openxmlformats.org/drawingml/2006/main" xmlns:r="http://schemas.openxmlformats.org/officeDocument/2006/relationships" xmlns:p="http://schemas.openxmlformats.org/presentationml/2006/main">
+  <p:cSld>
+    <p:spTree>
+      <p:nvGrpSpPr>
+        <p:cNvPr id="1" name=""/>
+        <p:cNvGrpSpPr/>
+        <p:nvPr/>
+      </p:nvGrpSpPr>
+      <p:grpSpPr>
+        <a:xfrm>
+          <a:off x="0" y="0"/>
+          <a:ext cx="0" cy="0"/>
+          <a:chOff x="0" y="0"/>
+          <a:chExt cx="0" cy="0"/>
+        </a:xfrm>
+      </p:grpSpPr>
+      <p:pic>
+        <p:nvPicPr>
+          <p:cNvPr id="4" name="Picture 3">
+            <a:extLst>
+              <a:ext uri="{FF2B5EF4-FFF2-40B4-BE49-F238E27FC236}">
+                <a16:creationId xmlns:a16="http://schemas.microsoft.com/office/drawing/2014/main" id="{B19FDE0C-EA56-B7C8-703D-AA307F542B05}"/>
+              </a:ext>
+            </a:extLst>
+          </p:cNvPr>
+          <p:cNvPicPr>
+            <a:picLocks noChangeAspect="1"/>
+          </p:cNvPicPr>
+          <p:nvPr/>
+        </p:nvPicPr>
+        <p:blipFill rotWithShape="1">
+          <a:blip r:embed="rId2"/>
+          <a:srcRect l="18358" t="4445" r="14009" b="33913"/>
+          <a:stretch/>
+        </p:blipFill>
+        <p:spPr>
+          <a:xfrm>
+            <a:off x="-1" y="0"/>
+            <a:ext cx="12039125" cy="6858000"/>
+          </a:xfrm>
+          <a:prstGeom prst="rect">
+            <a:avLst/>
+          </a:prstGeom>
+        </p:spPr>
+      </p:pic>
+    </p:spTree>
+    <p:extLst>
+      <p:ext uri="{BB962C8B-B14F-4D97-AF65-F5344CB8AC3E}">
+        <p14:creationId xmlns:p14="http://schemas.microsoft.com/office/powerpoint/2010/main" val="3270707944"/>
+      </p:ext>
+    </p:extLst>
+  </p:cSld>
+  <p:clrMapOvr>
+    <a:masterClrMapping/>
+  </p:clrMapOvr>
+</p:sld>
+</file>
+
+<file path=ppt/slides/slide6.xml><?xml version="1.0" encoding="utf-8"?>
+<p:sld xmlns:a="http://schemas.openxmlformats.org/drawingml/2006/main" xmlns:r="http://schemas.openxmlformats.org/officeDocument/2006/relationships" xmlns:p="http://schemas.openxmlformats.org/presentationml/2006/main">
+  <p:cSld>
+    <p:spTree>
+      <p:nvGrpSpPr>
+        <p:cNvPr id="1" name=""/>
+        <p:cNvGrpSpPr/>
+        <p:nvPr/>
+      </p:nvGrpSpPr>
+      <p:grpSpPr>
+        <a:xfrm>
+          <a:off x="0" y="0"/>
+          <a:ext cx="0" cy="0"/>
+          <a:chOff x="0" y="0"/>
+          <a:chExt cx="0" cy="0"/>
+        </a:xfrm>
+      </p:grpSpPr>
+      <p:pic>
+        <p:nvPicPr>
+          <p:cNvPr id="3" name="Picture 2">
+            <a:extLst>
+              <a:ext uri="{FF2B5EF4-FFF2-40B4-BE49-F238E27FC236}">
+                <a16:creationId xmlns:a16="http://schemas.microsoft.com/office/drawing/2014/main" id="{9B0A3008-5A2E-1C16-1627-F882726C4BF1}"/>
+              </a:ext>
+            </a:extLst>
+          </p:cNvPr>
+          <p:cNvPicPr>
+            <a:picLocks noChangeAspect="1"/>
+          </p:cNvPicPr>
+          <p:nvPr/>
+        </p:nvPicPr>
+        <p:blipFill rotWithShape="1">
+          <a:blip r:embed="rId2"/>
+          <a:srcRect l="19686" t="3865" r="16908" b="29855"/>
+          <a:stretch/>
+        </p:blipFill>
+        <p:spPr>
+          <a:xfrm>
+            <a:off x="-1" y="0"/>
+            <a:ext cx="10442713" cy="6822572"/>
+          </a:xfrm>
+          <a:prstGeom prst="rect">
+            <a:avLst/>
+          </a:prstGeom>
+        </p:spPr>
+      </p:pic>
+    </p:spTree>
+    <p:extLst>
+      <p:ext uri="{BB962C8B-B14F-4D97-AF65-F5344CB8AC3E}">
+        <p14:creationId xmlns:p14="http://schemas.microsoft.com/office/powerpoint/2010/main" val="1420859469"/>
+      </p:ext>
+    </p:extLst>
+  </p:cSld>
+  <p:clrMapOvr>
+    <a:masterClrMapping/>
+  </p:clrMapOvr>
+</p:sld>
+</file>
+
 <file path=ppt/theme/theme1.xml><?xml version="1.0" encoding="utf-8"?>
 <a:theme xmlns:a="http://schemas.openxmlformats.org/drawingml/2006/main" name="Office Theme">
   <a:themeElements>
